--- a/卒業論文/2014/吉野聡志/卒研中間審査ポスター.pptx
+++ b/卒業論文/2014/吉野聡志/卒研中間審査ポスター.pptx
@@ -7292,7 +7292,15 @@
                   <a:srgbClr val="FF0000"/>
                 </a:solidFill>
               </a:rPr>
-              <a:t>つぶやきの性質を</a:t>
+              <a:t>タイムラインの</a:t>
+            </a:r>
+            <a:r>
+              <a:rPr kumimoji="1" lang="ja-JP" altLang="en-US" sz="6600" dirty="0" smtClean="0">
+                <a:solidFill>
+                  <a:srgbClr val="FF0000"/>
+                </a:solidFill>
+              </a:rPr>
+              <a:t>性質を</a:t>
             </a:r>
             <a:endParaRPr kumimoji="1" lang="en-US" altLang="ja-JP" sz="6600" dirty="0" smtClean="0">
               <a:solidFill>
@@ -7424,7 +7432,15 @@
                   <a:srgbClr val="000000"/>
                 </a:solidFill>
               </a:rPr>
-              <a:t>で得たい情報や関心事項をヒアリング</a:t>
+              <a:t>で得たい情報や関心事項を</a:t>
+            </a:r>
+            <a:r>
+              <a:rPr lang="ja-JP" altLang="en-US" sz="4800" dirty="0" smtClean="0">
+                <a:solidFill>
+                  <a:srgbClr val="000000"/>
+                </a:solidFill>
+              </a:rPr>
+              <a:t>ヒアリングする</a:t>
             </a:r>
             <a:endParaRPr kumimoji="1" lang="ja-JP" altLang="en-US" sz="4800" dirty="0">
               <a:solidFill>
@@ -7443,7 +7459,7 @@
         <p:spPr>
           <a:xfrm>
             <a:off x="416722" y="20754285"/>
-            <a:ext cx="10130146" cy="1569660"/>
+            <a:ext cx="10130146" cy="2308324"/>
           </a:xfrm>
           <a:prstGeom prst="rect">
             <a:avLst/>
@@ -7494,7 +7510,30 @@
                   <a:srgbClr val="000000"/>
                 </a:solidFill>
               </a:rPr>
-              <a:t>日分取得</a:t>
+              <a:t>日分</a:t>
+            </a:r>
+            <a:r>
+              <a:rPr kumimoji="1" lang="ja-JP" altLang="en-US" sz="4800" dirty="0" smtClean="0">
+                <a:solidFill>
+                  <a:srgbClr val="000000"/>
+                </a:solidFill>
+              </a:rPr>
+              <a:t>取得</a:t>
+            </a:r>
+            <a:endParaRPr kumimoji="1" lang="en-US" altLang="ja-JP" sz="4800" dirty="0" smtClean="0">
+              <a:solidFill>
+                <a:srgbClr val="000000"/>
+              </a:solidFill>
+            </a:endParaRPr>
+          </a:p>
+          <a:p>
+            <a:r>
+              <a:rPr kumimoji="1" lang="ja-JP" altLang="en-US" sz="4800" dirty="0" smtClean="0">
+                <a:solidFill>
+                  <a:srgbClr val="000000"/>
+                </a:solidFill>
+              </a:rPr>
+              <a:t>する</a:t>
             </a:r>
             <a:endParaRPr kumimoji="1" lang="ja-JP" altLang="en-US" sz="4800" dirty="0">
               <a:solidFill>
@@ -7631,14 +7670,6 @@
           <a:lstStyle/>
           <a:p>
             <a:r>
-              <a:rPr kumimoji="1" lang="ja-JP" altLang="en-US" sz="4800" dirty="0" smtClean="0">
-                <a:solidFill>
-                  <a:srgbClr val="000000"/>
-                </a:solidFill>
-              </a:rPr>
-              <a:t>つぶやきの性質を</a:t>
-            </a:r>
-            <a:r>
               <a:rPr kumimoji="1" lang="en-US" altLang="ja-JP" sz="4800" dirty="0" err="1" smtClean="0">
                 <a:solidFill>
                   <a:srgbClr val="000000"/>
@@ -7652,7 +7683,47 @@
                   <a:srgbClr val="000000"/>
                 </a:solidFill>
               </a:rPr>
-              <a:t>テキストマイニングで分析し，タイムライン上のつぶやきの性質を可視化</a:t>
+              <a:t>テキストマイニング</a:t>
+            </a:r>
+            <a:r>
+              <a:rPr kumimoji="1" lang="ja-JP" altLang="en-US" sz="4800" dirty="0" smtClean="0">
+                <a:solidFill>
+                  <a:srgbClr val="000000"/>
+                </a:solidFill>
+              </a:rPr>
+              <a:t>でつぶやきを分析</a:t>
+            </a:r>
+            <a:r>
+              <a:rPr kumimoji="1" lang="ja-JP" altLang="en-US" sz="4800" dirty="0" smtClean="0">
+                <a:solidFill>
+                  <a:srgbClr val="000000"/>
+                </a:solidFill>
+              </a:rPr>
+              <a:t>し，</a:t>
+            </a:r>
+            <a:r>
+              <a:rPr kumimoji="1" lang="ja-JP" altLang="en-US" sz="4800" dirty="0" smtClean="0">
+                <a:solidFill>
+                  <a:srgbClr val="000000"/>
+                </a:solidFill>
+              </a:rPr>
+              <a:t>タイムラインの</a:t>
+            </a:r>
+            <a:r>
+              <a:rPr kumimoji="1" lang="ja-JP" altLang="en-US" sz="4800" dirty="0" smtClean="0">
+                <a:solidFill>
+                  <a:srgbClr val="000000"/>
+                </a:solidFill>
+              </a:rPr>
+              <a:t>性質を</a:t>
+            </a:r>
+            <a:r>
+              <a:rPr kumimoji="1" lang="ja-JP" altLang="en-US" sz="4800" dirty="0" smtClean="0">
+                <a:solidFill>
+                  <a:srgbClr val="000000"/>
+                </a:solidFill>
+              </a:rPr>
+              <a:t>可視化する</a:t>
             </a:r>
             <a:endParaRPr kumimoji="1" lang="ja-JP" altLang="en-US" sz="4800" dirty="0">
               <a:solidFill>
